--- a/Topics.pptx
+++ b/Topics.pptx
@@ -8,6 +8,7 @@
     <p:sldId id="256" r:id="rId2"/>
     <p:sldId id="257" r:id="rId3"/>
     <p:sldId id="258" r:id="rId4"/>
+    <p:sldId id="259" r:id="rId5"/>
   </p:sldIdLst>
   <p:sldSz cx="12192000" cy="6858000"/>
   <p:notesSz cx="6858000" cy="9144000"/>
@@ -7792,6 +7793,19 @@
               <a:rPr lang="en-US" dirty="0"/>
               <a:t>Because it’s easier to write poetry with it.</a:t>
             </a:r>
+          </a:p>
+          <a:p>
+            <a:r>
+              <a:rPr lang="en-US" b="1" dirty="0"/>
+              <a:t>How to write it?</a:t>
+            </a:r>
+          </a:p>
+          <a:p>
+            <a:pPr lvl="1"/>
+            <a:r>
+              <a:rPr lang="en-US" dirty="0"/>
+              <a:t>Use Visual Studio.</a:t>
+            </a:r>
             <a:endParaRPr lang="ro-RO" dirty="0"/>
           </a:p>
         </p:txBody>
@@ -7847,7 +7861,11 @@
           <a:bodyPr/>
           <a:lstStyle/>
           <a:p>
-            <a:endParaRPr lang="ro-RO"/>
+            <a:r>
+              <a:rPr lang="en-US" dirty="0"/>
+              <a:t>Hello C# World</a:t>
+            </a:r>
+            <a:endParaRPr lang="ro-RO" dirty="0"/>
           </a:p>
         </p:txBody>
       </p:sp>
@@ -7872,7 +7890,11 @@
           <a:bodyPr/>
           <a:lstStyle/>
           <a:p>
-            <a:endParaRPr lang="ro-RO"/>
+            <a:r>
+              <a:rPr lang="en-US" dirty="0"/>
+              <a:t>[Switch to Code]</a:t>
+            </a:r>
+            <a:endParaRPr lang="ro-RO" dirty="0"/>
           </a:p>
         </p:txBody>
       </p:sp>
@@ -7880,6 +7902,174 @@
     <p:extLst>
       <p:ext uri="{BB962C8B-B14F-4D97-AF65-F5344CB8AC3E}">
         <p14:creationId xmlns:p14="http://schemas.microsoft.com/office/powerpoint/2010/main" val="1547464705"/>
+      </p:ext>
+    </p:extLst>
+  </p:cSld>
+  <p:clrMapOvr>
+    <a:masterClrMapping/>
+  </p:clrMapOvr>
+</p:sld>
+</file>
+
+<file path=ppt/slides/slide4.xml><?xml version="1.0" encoding="utf-8"?>
+<p:sld xmlns:a="http://schemas.openxmlformats.org/drawingml/2006/main" xmlns:r="http://schemas.openxmlformats.org/officeDocument/2006/relationships" xmlns:p="http://schemas.openxmlformats.org/presentationml/2006/main">
+  <p:cSld>
+    <p:spTree>
+      <p:nvGrpSpPr>
+        <p:cNvPr id="1" name=""/>
+        <p:cNvGrpSpPr/>
+        <p:nvPr/>
+      </p:nvGrpSpPr>
+      <p:grpSpPr>
+        <a:xfrm>
+          <a:off x="0" y="0"/>
+          <a:ext cx="0" cy="0"/>
+          <a:chOff x="0" y="0"/>
+          <a:chExt cx="0" cy="0"/>
+        </a:xfrm>
+      </p:grpSpPr>
+      <p:sp>
+        <p:nvSpPr>
+          <p:cNvPr id="2" name="Title 1">
+            <a:extLst>
+              <a:ext uri="{FF2B5EF4-FFF2-40B4-BE49-F238E27FC236}">
+                <a16:creationId xmlns:a16="http://schemas.microsoft.com/office/drawing/2014/main" id="{9035E0AF-EC63-4AB6-BA81-601F27EC3550}"/>
+              </a:ext>
+            </a:extLst>
+          </p:cNvPr>
+          <p:cNvSpPr>
+            <a:spLocks noGrp="1"/>
+          </p:cNvSpPr>
+          <p:nvPr>
+            <p:ph type="title"/>
+          </p:nvPr>
+        </p:nvSpPr>
+        <p:spPr/>
+        <p:txBody>
+          <a:bodyPr/>
+          <a:lstStyle/>
+          <a:p>
+            <a:r>
+              <a:rPr lang="en-US" dirty="0"/>
+              <a:t>C# Nuts &amp; Bolts – </a:t>
+            </a:r>
+            <a:r>
+              <a:rPr lang="en-US" b="1" dirty="0"/>
+              <a:t>Data Types </a:t>
+            </a:r>
+            <a:endParaRPr lang="ro-RO" b="1" dirty="0"/>
+          </a:p>
+        </p:txBody>
+      </p:sp>
+      <p:sp>
+        <p:nvSpPr>
+          <p:cNvPr id="3" name="Content Placeholder 2">
+            <a:extLst>
+              <a:ext uri="{FF2B5EF4-FFF2-40B4-BE49-F238E27FC236}">
+                <a16:creationId xmlns:a16="http://schemas.microsoft.com/office/drawing/2014/main" id="{F2E4BDCE-3544-4FD2-937F-6C98A4E3F329}"/>
+              </a:ext>
+            </a:extLst>
+          </p:cNvPr>
+          <p:cNvSpPr>
+            <a:spLocks noGrp="1"/>
+          </p:cNvSpPr>
+          <p:nvPr>
+            <p:ph idx="1"/>
+          </p:nvPr>
+        </p:nvSpPr>
+        <p:spPr/>
+        <p:txBody>
+          <a:bodyPr/>
+          <a:lstStyle/>
+          <a:p>
+            <a:r>
+              <a:rPr lang="en-US" b="1" dirty="0"/>
+              <a:t>Primary</a:t>
+            </a:r>
+          </a:p>
+          <a:p>
+            <a:pPr lvl="1"/>
+            <a:r>
+              <a:rPr lang="en-US" dirty="0"/>
+              <a:t>byte, </a:t>
+            </a:r>
+            <a:r>
+              <a:rPr lang="en-US" dirty="0" err="1"/>
+              <a:t>int</a:t>
+            </a:r>
+            <a:r>
+              <a:rPr lang="en-US" dirty="0"/>
+              <a:t>, float, double, decimal, string, etc.</a:t>
+            </a:r>
+          </a:p>
+          <a:p>
+            <a:r>
+              <a:rPr lang="en-US" b="1" dirty="0"/>
+              <a:t>Objects</a:t>
+            </a:r>
+            <a:r>
+              <a:rPr lang="en-US" dirty="0"/>
+              <a:t> (a.k.a. Reference Types)</a:t>
+            </a:r>
+          </a:p>
+          <a:p>
+            <a:pPr lvl="1"/>
+            <a:r>
+              <a:rPr lang="en-US" dirty="0"/>
+              <a:t>Class instances</a:t>
+            </a:r>
+          </a:p>
+          <a:p>
+            <a:r>
+              <a:rPr lang="en-US" b="1" dirty="0"/>
+              <a:t>Structs</a:t>
+            </a:r>
+            <a:r>
+              <a:rPr lang="en-US" dirty="0"/>
+              <a:t> (a.k.a. Value Types)</a:t>
+            </a:r>
+          </a:p>
+          <a:p>
+            <a:pPr lvl="1"/>
+            <a:r>
+              <a:rPr lang="en-US" dirty="0"/>
+              <a:t>Advanced </a:t>
+            </a:r>
+            <a:r>
+              <a:rPr lang="en-US" dirty="0" err="1"/>
+              <a:t>sh</a:t>
+            </a:r>
+            <a:r>
+              <a:rPr lang="en-US" dirty="0"/>
+              <a:t>*t, ignore for now</a:t>
+            </a:r>
+          </a:p>
+          <a:p>
+            <a:pPr lvl="1"/>
+            <a:endParaRPr lang="en-US" dirty="0"/>
+          </a:p>
+          <a:p>
+            <a:r>
+              <a:rPr lang="en-US" dirty="0"/>
+              <a:t>[Switch to Code]</a:t>
+            </a:r>
+            <a:endParaRPr lang="ro-RO" dirty="0"/>
+          </a:p>
+          <a:p>
+            <a:pPr marL="0" indent="0">
+              <a:buNone/>
+            </a:pPr>
+            <a:endParaRPr lang="en-US" dirty="0"/>
+          </a:p>
+          <a:p>
+            <a:endParaRPr lang="ro-RO" dirty="0"/>
+          </a:p>
+        </p:txBody>
+      </p:sp>
+    </p:spTree>
+    <p:extLst>
+      <p:ext uri="{BB962C8B-B14F-4D97-AF65-F5344CB8AC3E}">
+        <p14:creationId xmlns:p14="http://schemas.microsoft.com/office/powerpoint/2010/main" val="3901989425"/>
       </p:ext>
     </p:extLst>
   </p:cSld>

--- a/Topics.pptx
+++ b/Topics.pptx
@@ -9,6 +9,7 @@
     <p:sldId id="257" r:id="rId3"/>
     <p:sldId id="258" r:id="rId4"/>
     <p:sldId id="259" r:id="rId5"/>
+    <p:sldId id="260" r:id="rId6"/>
   </p:sldIdLst>
   <p:sldSz cx="12192000" cy="6858000"/>
   <p:notesSz cx="6858000" cy="9144000"/>
@@ -8079,6 +8080,218 @@
 </p:sld>
 </file>
 
+<file path=ppt/slides/slide5.xml><?xml version="1.0" encoding="utf-8"?>
+<p:sld xmlns:a="http://schemas.openxmlformats.org/drawingml/2006/main" xmlns:r="http://schemas.openxmlformats.org/officeDocument/2006/relationships" xmlns:p="http://schemas.openxmlformats.org/presentationml/2006/main">
+  <p:cSld>
+    <p:spTree>
+      <p:nvGrpSpPr>
+        <p:cNvPr id="1" name=""/>
+        <p:cNvGrpSpPr/>
+        <p:nvPr/>
+      </p:nvGrpSpPr>
+      <p:grpSpPr>
+        <a:xfrm>
+          <a:off x="0" y="0"/>
+          <a:ext cx="0" cy="0"/>
+          <a:chOff x="0" y="0"/>
+          <a:chExt cx="0" cy="0"/>
+        </a:xfrm>
+      </p:grpSpPr>
+      <p:sp>
+        <p:nvSpPr>
+          <p:cNvPr id="2" name="Title 1">
+            <a:extLst>
+              <a:ext uri="{FF2B5EF4-FFF2-40B4-BE49-F238E27FC236}">
+                <a16:creationId xmlns:a16="http://schemas.microsoft.com/office/drawing/2014/main" id="{305247EB-EB1F-4F25-90FF-93B810654939}"/>
+              </a:ext>
+            </a:extLst>
+          </p:cNvPr>
+          <p:cNvSpPr>
+            <a:spLocks noGrp="1"/>
+          </p:cNvSpPr>
+          <p:nvPr>
+            <p:ph type="title"/>
+          </p:nvPr>
+        </p:nvSpPr>
+        <p:spPr/>
+        <p:txBody>
+          <a:bodyPr/>
+          <a:lstStyle/>
+          <a:p>
+            <a:r>
+              <a:rPr lang="en-US" dirty="0"/>
+              <a:t>C# Nuts &amp; Bolts – </a:t>
+            </a:r>
+            <a:r>
+              <a:rPr lang="en-US" b="1" dirty="0"/>
+              <a:t>Control Structures</a:t>
+            </a:r>
+            <a:endParaRPr lang="ro-RO" dirty="0"/>
+          </a:p>
+        </p:txBody>
+      </p:sp>
+      <p:sp>
+        <p:nvSpPr>
+          <p:cNvPr id="3" name="Content Placeholder 2">
+            <a:extLst>
+              <a:ext uri="{FF2B5EF4-FFF2-40B4-BE49-F238E27FC236}">
+                <a16:creationId xmlns:a16="http://schemas.microsoft.com/office/drawing/2014/main" id="{CE0F1347-81B8-4F0E-B6FC-7979B355C939}"/>
+              </a:ext>
+            </a:extLst>
+          </p:cNvPr>
+          <p:cNvSpPr>
+            <a:spLocks noGrp="1"/>
+          </p:cNvSpPr>
+          <p:nvPr>
+            <p:ph idx="1"/>
+          </p:nvPr>
+        </p:nvSpPr>
+        <p:spPr/>
+        <p:txBody>
+          <a:bodyPr/>
+          <a:lstStyle/>
+          <a:p>
+            <a:r>
+              <a:rPr lang="en-US" b="1" dirty="0"/>
+              <a:t>Selection</a:t>
+            </a:r>
+          </a:p>
+          <a:p>
+            <a:pPr lvl="1"/>
+            <a:r>
+              <a:rPr lang="en-US" dirty="0"/>
+              <a:t>if</a:t>
+            </a:r>
+            <a:r>
+              <a:rPr lang="ro-RO" dirty="0"/>
+              <a:t>      </a:t>
+            </a:r>
+            <a:r>
+              <a:rPr lang="en-US" dirty="0"/>
+              <a:t>if…else</a:t>
+            </a:r>
+          </a:p>
+          <a:p>
+            <a:pPr lvl="1"/>
+            <a:r>
+              <a:rPr lang="en-US" dirty="0"/>
+              <a:t>switch</a:t>
+            </a:r>
+          </a:p>
+          <a:p>
+            <a:pPr lvl="1"/>
+            <a:r>
+              <a:rPr lang="ro-RO" dirty="0"/>
+              <a:t>Ops:     </a:t>
+            </a:r>
+            <a:r>
+              <a:rPr lang="en-US" dirty="0"/>
+              <a:t>?:</a:t>
+            </a:r>
+            <a:r>
+              <a:rPr lang="ro-RO" dirty="0"/>
+              <a:t>    </a:t>
+            </a:r>
+            <a:r>
+              <a:rPr lang="en-US" dirty="0"/>
+              <a:t>??</a:t>
+            </a:r>
+            <a:r>
+              <a:rPr lang="ro-RO" dirty="0"/>
+              <a:t>     </a:t>
+            </a:r>
+            <a:r>
+              <a:rPr lang="en-US" dirty="0"/>
+              <a:t>?.</a:t>
+            </a:r>
+          </a:p>
+          <a:p>
+            <a:r>
+              <a:rPr lang="ro-RO" b="1" dirty="0"/>
+              <a:t>Repetition</a:t>
+            </a:r>
+          </a:p>
+          <a:p>
+            <a:pPr lvl="1"/>
+            <a:r>
+              <a:rPr lang="ro-RO" dirty="0"/>
+              <a:t>while      do…while</a:t>
+            </a:r>
+          </a:p>
+          <a:p>
+            <a:pPr lvl="1"/>
+            <a:r>
+              <a:rPr lang="ro-RO" dirty="0"/>
+              <a:t>for     </a:t>
+            </a:r>
+            <a:r>
+              <a:rPr lang="en-US" dirty="0" err="1"/>
+              <a:t>foreach</a:t>
+            </a:r>
+            <a:endParaRPr lang="en-US" dirty="0"/>
+          </a:p>
+          <a:p>
+            <a:pPr lvl="1"/>
+            <a:r>
+              <a:rPr lang="en-US" dirty="0" err="1">
+                <a:solidFill>
+                  <a:schemeClr val="bg2">
+                    <a:lumMod val="50000"/>
+                  </a:schemeClr>
+                </a:solidFill>
+              </a:rPr>
+              <a:t>Poetry</a:t>
+            </a:r>
+            <a:r>
+              <a:rPr lang="en-US" b="1" i="1" dirty="0" err="1">
+                <a:solidFill>
+                  <a:schemeClr val="bg2">
+                    <a:lumMod val="50000"/>
+                  </a:schemeClr>
+                </a:solidFill>
+              </a:rPr>
+              <a:t>fy</a:t>
+            </a:r>
+            <a:r>
+              <a:rPr lang="en-US" dirty="0">
+                <a:solidFill>
+                  <a:schemeClr val="bg2">
+                    <a:lumMod val="50000"/>
+                  </a:schemeClr>
+                </a:solidFill>
+              </a:rPr>
+              <a:t> with lambdas and LINQ Extensions</a:t>
+            </a:r>
+            <a:endParaRPr lang="ro-RO" dirty="0">
+              <a:solidFill>
+                <a:schemeClr val="bg2">
+                  <a:lumMod val="50000"/>
+                </a:schemeClr>
+              </a:solidFill>
+            </a:endParaRPr>
+          </a:p>
+          <a:p>
+            <a:pPr lvl="1"/>
+            <a:endParaRPr lang="en-US" dirty="0"/>
+          </a:p>
+          <a:p>
+            <a:endParaRPr lang="en-US" dirty="0"/>
+          </a:p>
+        </p:txBody>
+      </p:sp>
+    </p:spTree>
+    <p:extLst>
+      <p:ext uri="{BB962C8B-B14F-4D97-AF65-F5344CB8AC3E}">
+        <p14:creationId xmlns:p14="http://schemas.microsoft.com/office/powerpoint/2010/main" val="346655299"/>
+      </p:ext>
+    </p:extLst>
+  </p:cSld>
+  <p:clrMapOvr>
+    <a:masterClrMapping/>
+  </p:clrMapOvr>
+</p:sld>
+</file>
+
 <file path=ppt/theme/theme1.xml><?xml version="1.0" encoding="utf-8"?>
 <a:theme xmlns:a="http://schemas.openxmlformats.org/drawingml/2006/main" name="Wisp">
   <a:themeElements>

--- a/Topics.pptx
+++ b/Topics.pptx
@@ -10,6 +10,8 @@
     <p:sldId id="258" r:id="rId4"/>
     <p:sldId id="259" r:id="rId5"/>
     <p:sldId id="260" r:id="rId6"/>
+    <p:sldId id="261" r:id="rId7"/>
+    <p:sldId id="262" r:id="rId8"/>
   </p:sldIdLst>
   <p:sldSz cx="12192000" cy="6858000"/>
   <p:notesSz cx="6858000" cy="9144000"/>
@@ -8275,6 +8277,13 @@
             <a:endParaRPr lang="en-US" dirty="0"/>
           </a:p>
           <a:p>
+            <a:r>
+              <a:rPr lang="en-US" dirty="0"/>
+              <a:t>[Switch to Code]</a:t>
+            </a:r>
+            <a:endParaRPr lang="ro-RO" dirty="0"/>
+          </a:p>
+          <a:p>
             <a:endParaRPr lang="en-US" dirty="0"/>
           </a:p>
         </p:txBody>
@@ -8283,6 +8292,209 @@
     <p:extLst>
       <p:ext uri="{BB962C8B-B14F-4D97-AF65-F5344CB8AC3E}">
         <p14:creationId xmlns:p14="http://schemas.microsoft.com/office/powerpoint/2010/main" val="346655299"/>
+      </p:ext>
+    </p:extLst>
+  </p:cSld>
+  <p:clrMapOvr>
+    <a:masterClrMapping/>
+  </p:clrMapOvr>
+</p:sld>
+</file>
+
+<file path=ppt/slides/slide6.xml><?xml version="1.0" encoding="utf-8"?>
+<p:sld xmlns:a="http://schemas.openxmlformats.org/drawingml/2006/main" xmlns:r="http://schemas.openxmlformats.org/officeDocument/2006/relationships" xmlns:p="http://schemas.openxmlformats.org/presentationml/2006/main">
+  <p:cSld>
+    <p:spTree>
+      <p:nvGrpSpPr>
+        <p:cNvPr id="1" name=""/>
+        <p:cNvGrpSpPr/>
+        <p:nvPr/>
+      </p:nvGrpSpPr>
+      <p:grpSpPr>
+        <a:xfrm>
+          <a:off x="0" y="0"/>
+          <a:ext cx="0" cy="0"/>
+          <a:chOff x="0" y="0"/>
+          <a:chExt cx="0" cy="0"/>
+        </a:xfrm>
+      </p:grpSpPr>
+      <p:sp>
+        <p:nvSpPr>
+          <p:cNvPr id="2" name="Title 1">
+            <a:extLst>
+              <a:ext uri="{FF2B5EF4-FFF2-40B4-BE49-F238E27FC236}">
+                <a16:creationId xmlns:a16="http://schemas.microsoft.com/office/drawing/2014/main" id="{8E8A34F5-4028-4FB6-890A-09F2BB10AE90}"/>
+              </a:ext>
+            </a:extLst>
+          </p:cNvPr>
+          <p:cNvSpPr>
+            <a:spLocks noGrp="1"/>
+          </p:cNvSpPr>
+          <p:nvPr>
+            <p:ph type="title"/>
+          </p:nvPr>
+        </p:nvSpPr>
+        <p:spPr/>
+        <p:txBody>
+          <a:bodyPr/>
+          <a:lstStyle/>
+          <a:p>
+            <a:r>
+              <a:rPr lang="ro-RO" dirty="0"/>
+              <a:t>Play with data</a:t>
+            </a:r>
+          </a:p>
+        </p:txBody>
+      </p:sp>
+      <p:sp>
+        <p:nvSpPr>
+          <p:cNvPr id="3" name="Content Placeholder 2">
+            <a:extLst>
+              <a:ext uri="{FF2B5EF4-FFF2-40B4-BE49-F238E27FC236}">
+                <a16:creationId xmlns:a16="http://schemas.microsoft.com/office/drawing/2014/main" id="{60BE670A-E91B-43FB-A10C-B82FA79CD658}"/>
+              </a:ext>
+            </a:extLst>
+          </p:cNvPr>
+          <p:cNvSpPr>
+            <a:spLocks noGrp="1"/>
+          </p:cNvSpPr>
+          <p:nvPr>
+            <p:ph idx="1"/>
+          </p:nvPr>
+        </p:nvSpPr>
+        <p:spPr/>
+        <p:txBody>
+          <a:bodyPr/>
+          <a:lstStyle/>
+          <a:p>
+            <a:r>
+              <a:rPr lang="ro-RO" dirty="0"/>
+              <a:t>Operate on primary types</a:t>
+            </a:r>
+          </a:p>
+          <a:p>
+            <a:r>
+              <a:rPr lang="ro-RO" dirty="0"/>
+              <a:t>Transform strings</a:t>
+            </a:r>
+          </a:p>
+          <a:p>
+            <a:r>
+              <a:rPr lang="ro-RO" dirty="0"/>
+              <a:t>Parse strings into objects</a:t>
+            </a:r>
+          </a:p>
+          <a:p>
+            <a:r>
+              <a:rPr lang="ro-RO" dirty="0"/>
+              <a:t>Print objects</a:t>
+            </a:r>
+          </a:p>
+          <a:p>
+            <a:r>
+              <a:rPr lang="ro-RO" dirty="0"/>
+              <a:t>Project data</a:t>
+            </a:r>
+          </a:p>
+          <a:p>
+            <a:endParaRPr lang="ro-RO" dirty="0"/>
+          </a:p>
+          <a:p>
+            <a:r>
+              <a:rPr lang="en-US" dirty="0"/>
+              <a:t>[Switch to Code]</a:t>
+            </a:r>
+            <a:endParaRPr lang="ro-RO" dirty="0"/>
+          </a:p>
+          <a:p>
+            <a:endParaRPr lang="ro-RO" dirty="0"/>
+          </a:p>
+        </p:txBody>
+      </p:sp>
+    </p:spTree>
+    <p:extLst>
+      <p:ext uri="{BB962C8B-B14F-4D97-AF65-F5344CB8AC3E}">
+        <p14:creationId xmlns:p14="http://schemas.microsoft.com/office/powerpoint/2010/main" val="3940365204"/>
+      </p:ext>
+    </p:extLst>
+  </p:cSld>
+  <p:clrMapOvr>
+    <a:masterClrMapping/>
+  </p:clrMapOvr>
+</p:sld>
+</file>
+
+<file path=ppt/slides/slide7.xml><?xml version="1.0" encoding="utf-8"?>
+<p:sld xmlns:a="http://schemas.openxmlformats.org/drawingml/2006/main" xmlns:r="http://schemas.openxmlformats.org/officeDocument/2006/relationships" xmlns:p="http://schemas.openxmlformats.org/presentationml/2006/main">
+  <p:cSld>
+    <p:spTree>
+      <p:nvGrpSpPr>
+        <p:cNvPr id="1" name=""/>
+        <p:cNvGrpSpPr/>
+        <p:nvPr/>
+      </p:nvGrpSpPr>
+      <p:grpSpPr>
+        <a:xfrm>
+          <a:off x="0" y="0"/>
+          <a:ext cx="0" cy="0"/>
+          <a:chOff x="0" y="0"/>
+          <a:chExt cx="0" cy="0"/>
+        </a:xfrm>
+      </p:grpSpPr>
+      <p:sp>
+        <p:nvSpPr>
+          <p:cNvPr id="2" name="Title 1">
+            <a:extLst>
+              <a:ext uri="{FF2B5EF4-FFF2-40B4-BE49-F238E27FC236}">
+                <a16:creationId xmlns:a16="http://schemas.microsoft.com/office/drawing/2014/main" id="{CB7EB6F3-91B9-4CB3-B72C-8F507E6E35E4}"/>
+              </a:ext>
+            </a:extLst>
+          </p:cNvPr>
+          <p:cNvSpPr>
+            <a:spLocks noGrp="1"/>
+          </p:cNvSpPr>
+          <p:nvPr>
+            <p:ph type="title"/>
+          </p:nvPr>
+        </p:nvSpPr>
+        <p:spPr/>
+        <p:txBody>
+          <a:bodyPr/>
+          <a:lstStyle/>
+          <a:p>
+            <a:endParaRPr lang="ro-RO"/>
+          </a:p>
+        </p:txBody>
+      </p:sp>
+      <p:sp>
+        <p:nvSpPr>
+          <p:cNvPr id="3" name="Content Placeholder 2">
+            <a:extLst>
+              <a:ext uri="{FF2B5EF4-FFF2-40B4-BE49-F238E27FC236}">
+                <a16:creationId xmlns:a16="http://schemas.microsoft.com/office/drawing/2014/main" id="{687B3675-B4F9-42A5-B85D-8B83C2A24988}"/>
+              </a:ext>
+            </a:extLst>
+          </p:cNvPr>
+          <p:cNvSpPr>
+            <a:spLocks noGrp="1"/>
+          </p:cNvSpPr>
+          <p:nvPr>
+            <p:ph idx="1"/>
+          </p:nvPr>
+        </p:nvSpPr>
+        <p:spPr/>
+        <p:txBody>
+          <a:bodyPr/>
+          <a:lstStyle/>
+          <a:p>
+            <a:endParaRPr lang="ro-RO"/>
+          </a:p>
+        </p:txBody>
+      </p:sp>
+    </p:spTree>
+    <p:extLst>
+      <p:ext uri="{BB962C8B-B14F-4D97-AF65-F5344CB8AC3E}">
+        <p14:creationId xmlns:p14="http://schemas.microsoft.com/office/powerpoint/2010/main" val="2829445093"/>
       </p:ext>
     </p:extLst>
   </p:cSld>

--- a/Topics.pptx
+++ b/Topics.pptx
@@ -8462,7 +8462,10 @@
           <a:bodyPr/>
           <a:lstStyle/>
           <a:p>
-            <a:endParaRPr lang="ro-RO"/>
+            <a:r>
+              <a:rPr lang="ro-RO" dirty="0"/>
+              <a:t>Import/Export data</a:t>
+            </a:r>
           </a:p>
         </p:txBody>
       </p:sp>
@@ -8487,7 +8490,27 @@
           <a:bodyPr/>
           <a:lstStyle/>
           <a:p>
-            <a:endParaRPr lang="ro-RO"/>
+            <a:r>
+              <a:rPr lang="ro-RO" dirty="0"/>
+              <a:t>Read/Write Files</a:t>
+            </a:r>
+          </a:p>
+          <a:p>
+            <a:r>
+              <a:rPr lang="ro-RO"/>
+              <a:t>Read from web</a:t>
+            </a:r>
+            <a:endParaRPr lang="ro-RO" dirty="0"/>
+          </a:p>
+          <a:p>
+            <a:endParaRPr lang="ro-RO" dirty="0"/>
+          </a:p>
+          <a:p>
+            <a:r>
+              <a:rPr lang="en-US" dirty="0"/>
+              <a:t>[Switch to Code]</a:t>
+            </a:r>
+            <a:endParaRPr lang="ro-RO" dirty="0"/>
           </a:p>
         </p:txBody>
       </p:sp>

--- a/Topics.pptx
+++ b/Topics.pptx
@@ -8497,10 +8497,9 @@
           </a:p>
           <a:p>
             <a:r>
-              <a:rPr lang="ro-RO"/>
+              <a:rPr lang="ro-RO" dirty="0"/>
               <a:t>Read from web</a:t>
             </a:r>
-            <a:endParaRPr lang="ro-RO" dirty="0"/>
           </a:p>
           <a:p>
             <a:endParaRPr lang="ro-RO" dirty="0"/>

--- a/Topics.pptx
+++ b/Topics.pptx
@@ -8002,7 +8002,7 @@
             </a:r>
             <a:r>
               <a:rPr lang="en-US" dirty="0"/>
-              <a:t>, float, double, decimal, string, etc.</a:t>
+              <a:t>, float, double, double, string, etc.</a:t>
             </a:r>
           </a:p>
           <a:p>
